--- a/Java Урок 5 Методи.pptx
+++ b/Java Урок 5 Методи.pptx
@@ -208,7 +208,7 @@
           <a:p>
             <a:fld id="{0E8BD93E-8DC1-4C6E-9A0C-53B63244A1A1}" type="datetimeFigureOut">
               <a:rPr lang="uk-UA" smtClean="0"/>
-              <a:t>03.03.2024</a:t>
+              <a:t>03.07.2024</a:t>
             </a:fld>
             <a:endParaRPr lang="uk-UA"/>
           </a:p>
@@ -625,7 +625,7 @@
           <a:p>
             <a:fld id="{8B6C0C13-D616-4B7A-ADAD-21744A79AB48}" type="datetimeFigureOut">
               <a:rPr lang="uk-UA" smtClean="0"/>
-              <a:t>03.03.2024</a:t>
+              <a:t>03.07.2024</a:t>
             </a:fld>
             <a:endParaRPr lang="uk-UA"/>
           </a:p>
@@ -825,7 +825,7 @@
           <a:p>
             <a:fld id="{8B6C0C13-D616-4B7A-ADAD-21744A79AB48}" type="datetimeFigureOut">
               <a:rPr lang="uk-UA" smtClean="0"/>
-              <a:t>03.03.2024</a:t>
+              <a:t>03.07.2024</a:t>
             </a:fld>
             <a:endParaRPr lang="uk-UA"/>
           </a:p>
@@ -1035,7 +1035,7 @@
           <a:p>
             <a:fld id="{8B6C0C13-D616-4B7A-ADAD-21744A79AB48}" type="datetimeFigureOut">
               <a:rPr lang="uk-UA" smtClean="0"/>
-              <a:t>03.03.2024</a:t>
+              <a:t>03.07.2024</a:t>
             </a:fld>
             <a:endParaRPr lang="uk-UA"/>
           </a:p>
@@ -1235,7 +1235,7 @@
           <a:p>
             <a:fld id="{8B6C0C13-D616-4B7A-ADAD-21744A79AB48}" type="datetimeFigureOut">
               <a:rPr lang="uk-UA" smtClean="0"/>
-              <a:t>03.03.2024</a:t>
+              <a:t>03.07.2024</a:t>
             </a:fld>
             <a:endParaRPr lang="uk-UA"/>
           </a:p>
@@ -1511,7 +1511,7 @@
           <a:p>
             <a:fld id="{8B6C0C13-D616-4B7A-ADAD-21744A79AB48}" type="datetimeFigureOut">
               <a:rPr lang="uk-UA" smtClean="0"/>
-              <a:t>03.03.2024</a:t>
+              <a:t>03.07.2024</a:t>
             </a:fld>
             <a:endParaRPr lang="uk-UA"/>
           </a:p>
@@ -1779,7 +1779,7 @@
           <a:p>
             <a:fld id="{8B6C0C13-D616-4B7A-ADAD-21744A79AB48}" type="datetimeFigureOut">
               <a:rPr lang="uk-UA" smtClean="0"/>
-              <a:t>03.03.2024</a:t>
+              <a:t>03.07.2024</a:t>
             </a:fld>
             <a:endParaRPr lang="uk-UA"/>
           </a:p>
@@ -2194,7 +2194,7 @@
           <a:p>
             <a:fld id="{8B6C0C13-D616-4B7A-ADAD-21744A79AB48}" type="datetimeFigureOut">
               <a:rPr lang="uk-UA" smtClean="0"/>
-              <a:t>03.03.2024</a:t>
+              <a:t>03.07.2024</a:t>
             </a:fld>
             <a:endParaRPr lang="uk-UA"/>
           </a:p>
@@ -2336,7 +2336,7 @@
           <a:p>
             <a:fld id="{8B6C0C13-D616-4B7A-ADAD-21744A79AB48}" type="datetimeFigureOut">
               <a:rPr lang="uk-UA" smtClean="0"/>
-              <a:t>03.03.2024</a:t>
+              <a:t>03.07.2024</a:t>
             </a:fld>
             <a:endParaRPr lang="uk-UA"/>
           </a:p>
@@ -2449,7 +2449,7 @@
           <a:p>
             <a:fld id="{8B6C0C13-D616-4B7A-ADAD-21744A79AB48}" type="datetimeFigureOut">
               <a:rPr lang="uk-UA" smtClean="0"/>
-              <a:t>03.03.2024</a:t>
+              <a:t>03.07.2024</a:t>
             </a:fld>
             <a:endParaRPr lang="uk-UA"/>
           </a:p>
@@ -2762,7 +2762,7 @@
           <a:p>
             <a:fld id="{8B6C0C13-D616-4B7A-ADAD-21744A79AB48}" type="datetimeFigureOut">
               <a:rPr lang="uk-UA" smtClean="0"/>
-              <a:t>03.03.2024</a:t>
+              <a:t>03.07.2024</a:t>
             </a:fld>
             <a:endParaRPr lang="uk-UA"/>
           </a:p>
@@ -3051,7 +3051,7 @@
           <a:p>
             <a:fld id="{8B6C0C13-D616-4B7A-ADAD-21744A79AB48}" type="datetimeFigureOut">
               <a:rPr lang="uk-UA" smtClean="0"/>
-              <a:t>03.03.2024</a:t>
+              <a:t>03.07.2024</a:t>
             </a:fld>
             <a:endParaRPr lang="uk-UA"/>
           </a:p>
@@ -3294,7 +3294,7 @@
           <a:p>
             <a:fld id="{8B6C0C13-D616-4B7A-ADAD-21744A79AB48}" type="datetimeFigureOut">
               <a:rPr lang="uk-UA" smtClean="0"/>
-              <a:t>03.03.2024</a:t>
+              <a:t>03.07.2024</a:t>
             </a:fld>
             <a:endParaRPr lang="uk-UA"/>
           </a:p>
@@ -26577,7 +26577,7 @@
         </p:nvSpPr>
         <p:spPr bwMode="auto">
           <a:xfrm>
-            <a:off x="81368" y="987595"/>
+            <a:off x="122706" y="969584"/>
             <a:ext cx="12019621" cy="2246769"/>
           </a:xfrm>
           <a:prstGeom prst="rect">
